--- a/ppt 16-9/0774.你孤单么.pptx
+++ b/ppt 16-9/0774.你孤单么.pptx
@@ -129,7 +129,7 @@
           <p:cNvPr id="2" name="标题 1">
             <a:extLst>
               <a:ext uri="{FF2B5EF4-FFF2-40B4-BE49-F238E27FC236}">
-                <a16:creationId xmlns:a16="http://schemas.microsoft.com/office/drawing/2014/main" id="{7F8032FE-2387-B5AD-0338-298CA3B576B8}"/>
+                <a16:creationId xmlns:a16="http://schemas.microsoft.com/office/drawing/2014/main" id="{E7040CC1-14E7-F549-6DD4-0D3898273877}"/>
               </a:ext>
             </a:extLst>
           </p:cNvPr>
@@ -166,7 +166,7 @@
           <p:cNvPr id="3" name="副标题 2">
             <a:extLst>
               <a:ext uri="{FF2B5EF4-FFF2-40B4-BE49-F238E27FC236}">
-                <a16:creationId xmlns:a16="http://schemas.microsoft.com/office/drawing/2014/main" id="{FD9C4DC4-A7A9-1720-EA04-E522368D7560}"/>
+                <a16:creationId xmlns:a16="http://schemas.microsoft.com/office/drawing/2014/main" id="{1E7BD392-06B3-ED5C-AABA-F0E57A29039B}"/>
               </a:ext>
             </a:extLst>
           </p:cNvPr>
@@ -236,7 +236,7 @@
           <p:cNvPr id="4" name="日期占位符 3">
             <a:extLst>
               <a:ext uri="{FF2B5EF4-FFF2-40B4-BE49-F238E27FC236}">
-                <a16:creationId xmlns:a16="http://schemas.microsoft.com/office/drawing/2014/main" id="{461E6708-4CC8-289B-F15D-8C5CC282837E}"/>
+                <a16:creationId xmlns:a16="http://schemas.microsoft.com/office/drawing/2014/main" id="{9D609ACC-D4A3-C284-BF5D-E78E3D15C4C1}"/>
               </a:ext>
             </a:extLst>
           </p:cNvPr>
@@ -252,7 +252,7 @@
           <a:bodyPr/>
           <a:lstStyle/>
           <a:p>
-            <a:fld id="{F5C506A2-54BC-42F5-9D30-17884B703DA1}" type="datetimeFigureOut">
+            <a:fld id="{91E6ED8B-DA3C-4518-9D2C-350EDBFC147B}" type="datetimeFigureOut">
               <a:rPr lang="zh-CN" altLang="en-US" smtClean="0"/>
               <a:t>2024/3/10</a:t>
             </a:fld>
@@ -265,7 +265,7 @@
           <p:cNvPr id="5" name="页脚占位符 4">
             <a:extLst>
               <a:ext uri="{FF2B5EF4-FFF2-40B4-BE49-F238E27FC236}">
-                <a16:creationId xmlns:a16="http://schemas.microsoft.com/office/drawing/2014/main" id="{550B8307-48EF-142D-B71D-6F328F214E21}"/>
+                <a16:creationId xmlns:a16="http://schemas.microsoft.com/office/drawing/2014/main" id="{13215334-1C7C-8B79-016D-6977B9433A3B}"/>
               </a:ext>
             </a:extLst>
           </p:cNvPr>
@@ -290,7 +290,7 @@
           <p:cNvPr id="6" name="灯片编号占位符 5">
             <a:extLst>
               <a:ext uri="{FF2B5EF4-FFF2-40B4-BE49-F238E27FC236}">
-                <a16:creationId xmlns:a16="http://schemas.microsoft.com/office/drawing/2014/main" id="{9FB76DDE-9C3A-76D7-9A68-DB9E268072BA}"/>
+                <a16:creationId xmlns:a16="http://schemas.microsoft.com/office/drawing/2014/main" id="{8BF7F33A-FB4F-07C4-7CE8-DE979C310BBC}"/>
               </a:ext>
             </a:extLst>
           </p:cNvPr>
@@ -306,7 +306,7 @@
           <a:bodyPr/>
           <a:lstStyle/>
           <a:p>
-            <a:fld id="{CC55CAE4-A396-447C-A19A-53BECCA93D64}" type="slidenum">
+            <a:fld id="{F2FA5075-EB72-4459-9E0F-5C8D3AC4260D}" type="slidenum">
               <a:rPr lang="zh-CN" altLang="en-US" smtClean="0"/>
               <a:t>‹#›</a:t>
             </a:fld>
@@ -317,7 +317,7 @@
     </p:spTree>
     <p:extLst>
       <p:ext uri="{BB962C8B-B14F-4D97-AF65-F5344CB8AC3E}">
-        <p14:creationId xmlns:p14="http://schemas.microsoft.com/office/powerpoint/2010/main" val="2857112179"/>
+        <p14:creationId xmlns:p14="http://schemas.microsoft.com/office/powerpoint/2010/main" val="1746841095"/>
       </p:ext>
     </p:extLst>
   </p:cSld>
@@ -349,7 +349,7 @@
           <p:cNvPr id="2" name="标题 1">
             <a:extLst>
               <a:ext uri="{FF2B5EF4-FFF2-40B4-BE49-F238E27FC236}">
-                <a16:creationId xmlns:a16="http://schemas.microsoft.com/office/drawing/2014/main" id="{6614F565-C85E-5CDC-3972-A7D540471E91}"/>
+                <a16:creationId xmlns:a16="http://schemas.microsoft.com/office/drawing/2014/main" id="{D90564AD-3D00-A970-60EB-325F98C1D06B}"/>
               </a:ext>
             </a:extLst>
           </p:cNvPr>
@@ -377,7 +377,7 @@
           <p:cNvPr id="3" name="竖排文字占位符 2">
             <a:extLst>
               <a:ext uri="{FF2B5EF4-FFF2-40B4-BE49-F238E27FC236}">
-                <a16:creationId xmlns:a16="http://schemas.microsoft.com/office/drawing/2014/main" id="{DC58D9F4-CFAA-55CA-DA63-E2020348A2F9}"/>
+                <a16:creationId xmlns:a16="http://schemas.microsoft.com/office/drawing/2014/main" id="{94626C95-339D-0E98-17A6-69F3936BEBCA}"/>
               </a:ext>
             </a:extLst>
           </p:cNvPr>
@@ -434,7 +434,7 @@
           <p:cNvPr id="4" name="日期占位符 3">
             <a:extLst>
               <a:ext uri="{FF2B5EF4-FFF2-40B4-BE49-F238E27FC236}">
-                <a16:creationId xmlns:a16="http://schemas.microsoft.com/office/drawing/2014/main" id="{3EC59730-9E2A-31C6-25DB-1954AB756592}"/>
+                <a16:creationId xmlns:a16="http://schemas.microsoft.com/office/drawing/2014/main" id="{5B621647-7726-ABDD-3034-6A1EF9FCAE40}"/>
               </a:ext>
             </a:extLst>
           </p:cNvPr>
@@ -450,7 +450,7 @@
           <a:bodyPr/>
           <a:lstStyle/>
           <a:p>
-            <a:fld id="{F5C506A2-54BC-42F5-9D30-17884B703DA1}" type="datetimeFigureOut">
+            <a:fld id="{91E6ED8B-DA3C-4518-9D2C-350EDBFC147B}" type="datetimeFigureOut">
               <a:rPr lang="zh-CN" altLang="en-US" smtClean="0"/>
               <a:t>2024/3/10</a:t>
             </a:fld>
@@ -463,7 +463,7 @@
           <p:cNvPr id="5" name="页脚占位符 4">
             <a:extLst>
               <a:ext uri="{FF2B5EF4-FFF2-40B4-BE49-F238E27FC236}">
-                <a16:creationId xmlns:a16="http://schemas.microsoft.com/office/drawing/2014/main" id="{1495FD92-65F2-E97D-C0DC-5FEDA364D185}"/>
+                <a16:creationId xmlns:a16="http://schemas.microsoft.com/office/drawing/2014/main" id="{170992A9-9AA2-B5C6-64F6-E9B66B0A6A33}"/>
               </a:ext>
             </a:extLst>
           </p:cNvPr>
@@ -488,7 +488,7 @@
           <p:cNvPr id="6" name="灯片编号占位符 5">
             <a:extLst>
               <a:ext uri="{FF2B5EF4-FFF2-40B4-BE49-F238E27FC236}">
-                <a16:creationId xmlns:a16="http://schemas.microsoft.com/office/drawing/2014/main" id="{2753FA3F-A89F-2611-9693-A1A1BB50A1A3}"/>
+                <a16:creationId xmlns:a16="http://schemas.microsoft.com/office/drawing/2014/main" id="{B216D8EF-86B9-9F84-5C84-6A9E43C82463}"/>
               </a:ext>
             </a:extLst>
           </p:cNvPr>
@@ -504,7 +504,7 @@
           <a:bodyPr/>
           <a:lstStyle/>
           <a:p>
-            <a:fld id="{CC55CAE4-A396-447C-A19A-53BECCA93D64}" type="slidenum">
+            <a:fld id="{F2FA5075-EB72-4459-9E0F-5C8D3AC4260D}" type="slidenum">
               <a:rPr lang="zh-CN" altLang="en-US" smtClean="0"/>
               <a:t>‹#›</a:t>
             </a:fld>
@@ -515,7 +515,7 @@
     </p:spTree>
     <p:extLst>
       <p:ext uri="{BB962C8B-B14F-4D97-AF65-F5344CB8AC3E}">
-        <p14:creationId xmlns:p14="http://schemas.microsoft.com/office/powerpoint/2010/main" val="4006623149"/>
+        <p14:creationId xmlns:p14="http://schemas.microsoft.com/office/powerpoint/2010/main" val="2798220876"/>
       </p:ext>
     </p:extLst>
   </p:cSld>
@@ -547,7 +547,7 @@
           <p:cNvPr id="2" name="竖排标题 1">
             <a:extLst>
               <a:ext uri="{FF2B5EF4-FFF2-40B4-BE49-F238E27FC236}">
-                <a16:creationId xmlns:a16="http://schemas.microsoft.com/office/drawing/2014/main" id="{AE6DDA8E-2B1F-DF9E-EE03-62F0D013E8AD}"/>
+                <a16:creationId xmlns:a16="http://schemas.microsoft.com/office/drawing/2014/main" id="{1AA28E3D-97CE-9FD7-D2D0-14AD038C8683}"/>
               </a:ext>
             </a:extLst>
           </p:cNvPr>
@@ -580,7 +580,7 @@
           <p:cNvPr id="3" name="竖排文字占位符 2">
             <a:extLst>
               <a:ext uri="{FF2B5EF4-FFF2-40B4-BE49-F238E27FC236}">
-                <a16:creationId xmlns:a16="http://schemas.microsoft.com/office/drawing/2014/main" id="{B20AB0E9-ACFB-9A28-66A7-4B0A8AECDD0E}"/>
+                <a16:creationId xmlns:a16="http://schemas.microsoft.com/office/drawing/2014/main" id="{45C9F56E-4930-67D7-4836-3190B8CD1E01}"/>
               </a:ext>
             </a:extLst>
           </p:cNvPr>
@@ -642,7 +642,7 @@
           <p:cNvPr id="4" name="日期占位符 3">
             <a:extLst>
               <a:ext uri="{FF2B5EF4-FFF2-40B4-BE49-F238E27FC236}">
-                <a16:creationId xmlns:a16="http://schemas.microsoft.com/office/drawing/2014/main" id="{2D175415-B9EF-D116-5C88-66468A1198B8}"/>
+                <a16:creationId xmlns:a16="http://schemas.microsoft.com/office/drawing/2014/main" id="{7173EB81-6823-68AC-3FA9-73F275728200}"/>
               </a:ext>
             </a:extLst>
           </p:cNvPr>
@@ -658,7 +658,7 @@
           <a:bodyPr/>
           <a:lstStyle/>
           <a:p>
-            <a:fld id="{F5C506A2-54BC-42F5-9D30-17884B703DA1}" type="datetimeFigureOut">
+            <a:fld id="{91E6ED8B-DA3C-4518-9D2C-350EDBFC147B}" type="datetimeFigureOut">
               <a:rPr lang="zh-CN" altLang="en-US" smtClean="0"/>
               <a:t>2024/3/10</a:t>
             </a:fld>
@@ -671,7 +671,7 @@
           <p:cNvPr id="5" name="页脚占位符 4">
             <a:extLst>
               <a:ext uri="{FF2B5EF4-FFF2-40B4-BE49-F238E27FC236}">
-                <a16:creationId xmlns:a16="http://schemas.microsoft.com/office/drawing/2014/main" id="{96606096-6788-BC1B-3F64-26EFCEB28FA6}"/>
+                <a16:creationId xmlns:a16="http://schemas.microsoft.com/office/drawing/2014/main" id="{90785226-92ED-4BD3-970E-D408A2E3B2EB}"/>
               </a:ext>
             </a:extLst>
           </p:cNvPr>
@@ -696,7 +696,7 @@
           <p:cNvPr id="6" name="灯片编号占位符 5">
             <a:extLst>
               <a:ext uri="{FF2B5EF4-FFF2-40B4-BE49-F238E27FC236}">
-                <a16:creationId xmlns:a16="http://schemas.microsoft.com/office/drawing/2014/main" id="{74EE810A-CB15-ECE0-D98B-5B8A698A45D3}"/>
+                <a16:creationId xmlns:a16="http://schemas.microsoft.com/office/drawing/2014/main" id="{29D789E9-70EB-E0F0-CFE3-2FB85812F8B1}"/>
               </a:ext>
             </a:extLst>
           </p:cNvPr>
@@ -712,7 +712,7 @@
           <a:bodyPr/>
           <a:lstStyle/>
           <a:p>
-            <a:fld id="{CC55CAE4-A396-447C-A19A-53BECCA93D64}" type="slidenum">
+            <a:fld id="{F2FA5075-EB72-4459-9E0F-5C8D3AC4260D}" type="slidenum">
               <a:rPr lang="zh-CN" altLang="en-US" smtClean="0"/>
               <a:t>‹#›</a:t>
             </a:fld>
@@ -723,7 +723,7 @@
     </p:spTree>
     <p:extLst>
       <p:ext uri="{BB962C8B-B14F-4D97-AF65-F5344CB8AC3E}">
-        <p14:creationId xmlns:p14="http://schemas.microsoft.com/office/powerpoint/2010/main" val="1573490604"/>
+        <p14:creationId xmlns:p14="http://schemas.microsoft.com/office/powerpoint/2010/main" val="3152092712"/>
       </p:ext>
     </p:extLst>
   </p:cSld>
@@ -755,7 +755,7 @@
           <p:cNvPr id="2" name="标题 1">
             <a:extLst>
               <a:ext uri="{FF2B5EF4-FFF2-40B4-BE49-F238E27FC236}">
-                <a16:creationId xmlns:a16="http://schemas.microsoft.com/office/drawing/2014/main" id="{3A270452-2465-D93B-F1D3-19FC4AAF028E}"/>
+                <a16:creationId xmlns:a16="http://schemas.microsoft.com/office/drawing/2014/main" id="{8C3044B5-1718-914A-5100-D97464EC68A5}"/>
               </a:ext>
             </a:extLst>
           </p:cNvPr>
@@ -783,7 +783,7 @@
           <p:cNvPr id="3" name="内容占位符 2">
             <a:extLst>
               <a:ext uri="{FF2B5EF4-FFF2-40B4-BE49-F238E27FC236}">
-                <a16:creationId xmlns:a16="http://schemas.microsoft.com/office/drawing/2014/main" id="{023040C6-8161-30D5-928E-9528566CD2A8}"/>
+                <a16:creationId xmlns:a16="http://schemas.microsoft.com/office/drawing/2014/main" id="{D0E9CC89-ECC5-6884-1BC5-FDD84B665420}"/>
               </a:ext>
             </a:extLst>
           </p:cNvPr>
@@ -840,7 +840,7 @@
           <p:cNvPr id="4" name="日期占位符 3">
             <a:extLst>
               <a:ext uri="{FF2B5EF4-FFF2-40B4-BE49-F238E27FC236}">
-                <a16:creationId xmlns:a16="http://schemas.microsoft.com/office/drawing/2014/main" id="{5EFD77D5-E104-32F3-C16E-B98AB9004E80}"/>
+                <a16:creationId xmlns:a16="http://schemas.microsoft.com/office/drawing/2014/main" id="{0CF505AC-2C59-1CB3-406C-0F091AC68047}"/>
               </a:ext>
             </a:extLst>
           </p:cNvPr>
@@ -856,7 +856,7 @@
           <a:bodyPr/>
           <a:lstStyle/>
           <a:p>
-            <a:fld id="{F5C506A2-54BC-42F5-9D30-17884B703DA1}" type="datetimeFigureOut">
+            <a:fld id="{91E6ED8B-DA3C-4518-9D2C-350EDBFC147B}" type="datetimeFigureOut">
               <a:rPr lang="zh-CN" altLang="en-US" smtClean="0"/>
               <a:t>2024/3/10</a:t>
             </a:fld>
@@ -869,7 +869,7 @@
           <p:cNvPr id="5" name="页脚占位符 4">
             <a:extLst>
               <a:ext uri="{FF2B5EF4-FFF2-40B4-BE49-F238E27FC236}">
-                <a16:creationId xmlns:a16="http://schemas.microsoft.com/office/drawing/2014/main" id="{5E69EEEB-621A-9846-5621-A5BBF7CB170D}"/>
+                <a16:creationId xmlns:a16="http://schemas.microsoft.com/office/drawing/2014/main" id="{88EC45A1-A5FA-B884-66F2-42BF48077106}"/>
               </a:ext>
             </a:extLst>
           </p:cNvPr>
@@ -894,7 +894,7 @@
           <p:cNvPr id="6" name="灯片编号占位符 5">
             <a:extLst>
               <a:ext uri="{FF2B5EF4-FFF2-40B4-BE49-F238E27FC236}">
-                <a16:creationId xmlns:a16="http://schemas.microsoft.com/office/drawing/2014/main" id="{AB546618-976B-BEA9-5528-9E934EB0E11B}"/>
+                <a16:creationId xmlns:a16="http://schemas.microsoft.com/office/drawing/2014/main" id="{B3F55CBA-A82F-573E-8022-2B57CB82EE91}"/>
               </a:ext>
             </a:extLst>
           </p:cNvPr>
@@ -910,7 +910,7 @@
           <a:bodyPr/>
           <a:lstStyle/>
           <a:p>
-            <a:fld id="{CC55CAE4-A396-447C-A19A-53BECCA93D64}" type="slidenum">
+            <a:fld id="{F2FA5075-EB72-4459-9E0F-5C8D3AC4260D}" type="slidenum">
               <a:rPr lang="zh-CN" altLang="en-US" smtClean="0"/>
               <a:t>‹#›</a:t>
             </a:fld>
@@ -921,7 +921,7 @@
     </p:spTree>
     <p:extLst>
       <p:ext uri="{BB962C8B-B14F-4D97-AF65-F5344CB8AC3E}">
-        <p14:creationId xmlns:p14="http://schemas.microsoft.com/office/powerpoint/2010/main" val="2929827168"/>
+        <p14:creationId xmlns:p14="http://schemas.microsoft.com/office/powerpoint/2010/main" val="2074262290"/>
       </p:ext>
     </p:extLst>
   </p:cSld>
@@ -953,7 +953,7 @@
           <p:cNvPr id="2" name="标题 1">
             <a:extLst>
               <a:ext uri="{FF2B5EF4-FFF2-40B4-BE49-F238E27FC236}">
-                <a16:creationId xmlns:a16="http://schemas.microsoft.com/office/drawing/2014/main" id="{6D1B41BD-90B4-395E-3F4A-063B287B77CD}"/>
+                <a16:creationId xmlns:a16="http://schemas.microsoft.com/office/drawing/2014/main" id="{B49A2D30-A683-1B60-B8C9-A90F82CE895D}"/>
               </a:ext>
             </a:extLst>
           </p:cNvPr>
@@ -990,7 +990,7 @@
           <p:cNvPr id="3" name="文本占位符 2">
             <a:extLst>
               <a:ext uri="{FF2B5EF4-FFF2-40B4-BE49-F238E27FC236}">
-                <a16:creationId xmlns:a16="http://schemas.microsoft.com/office/drawing/2014/main" id="{11BAEF80-8923-6F61-E70F-6F90560F6F79}"/>
+                <a16:creationId xmlns:a16="http://schemas.microsoft.com/office/drawing/2014/main" id="{FE52ADBD-2629-7E40-1B14-A55B547619D8}"/>
               </a:ext>
             </a:extLst>
           </p:cNvPr>
@@ -1115,7 +1115,7 @@
           <p:cNvPr id="4" name="日期占位符 3">
             <a:extLst>
               <a:ext uri="{FF2B5EF4-FFF2-40B4-BE49-F238E27FC236}">
-                <a16:creationId xmlns:a16="http://schemas.microsoft.com/office/drawing/2014/main" id="{645A8E9F-5341-EF61-869D-AB533F15A67E}"/>
+                <a16:creationId xmlns:a16="http://schemas.microsoft.com/office/drawing/2014/main" id="{6A998D8C-3056-CFA6-B1D7-591A43355FC5}"/>
               </a:ext>
             </a:extLst>
           </p:cNvPr>
@@ -1131,7 +1131,7 @@
           <a:bodyPr/>
           <a:lstStyle/>
           <a:p>
-            <a:fld id="{F5C506A2-54BC-42F5-9D30-17884B703DA1}" type="datetimeFigureOut">
+            <a:fld id="{91E6ED8B-DA3C-4518-9D2C-350EDBFC147B}" type="datetimeFigureOut">
               <a:rPr lang="zh-CN" altLang="en-US" smtClean="0"/>
               <a:t>2024/3/10</a:t>
             </a:fld>
@@ -1144,7 +1144,7 @@
           <p:cNvPr id="5" name="页脚占位符 4">
             <a:extLst>
               <a:ext uri="{FF2B5EF4-FFF2-40B4-BE49-F238E27FC236}">
-                <a16:creationId xmlns:a16="http://schemas.microsoft.com/office/drawing/2014/main" id="{8FC42069-17B1-24E0-3B97-1629DDD33559}"/>
+                <a16:creationId xmlns:a16="http://schemas.microsoft.com/office/drawing/2014/main" id="{0E05CFA6-5D85-0162-B74F-067112562CD8}"/>
               </a:ext>
             </a:extLst>
           </p:cNvPr>
@@ -1169,7 +1169,7 @@
           <p:cNvPr id="6" name="灯片编号占位符 5">
             <a:extLst>
               <a:ext uri="{FF2B5EF4-FFF2-40B4-BE49-F238E27FC236}">
-                <a16:creationId xmlns:a16="http://schemas.microsoft.com/office/drawing/2014/main" id="{B0553498-D762-57B5-934C-98BE5AF139F3}"/>
+                <a16:creationId xmlns:a16="http://schemas.microsoft.com/office/drawing/2014/main" id="{FDF42DC9-DC4C-0C85-80F2-E6D9211E0B9B}"/>
               </a:ext>
             </a:extLst>
           </p:cNvPr>
@@ -1185,7 +1185,7 @@
           <a:bodyPr/>
           <a:lstStyle/>
           <a:p>
-            <a:fld id="{CC55CAE4-A396-447C-A19A-53BECCA93D64}" type="slidenum">
+            <a:fld id="{F2FA5075-EB72-4459-9E0F-5C8D3AC4260D}" type="slidenum">
               <a:rPr lang="zh-CN" altLang="en-US" smtClean="0"/>
               <a:t>‹#›</a:t>
             </a:fld>
@@ -1196,7 +1196,7 @@
     </p:spTree>
     <p:extLst>
       <p:ext uri="{BB962C8B-B14F-4D97-AF65-F5344CB8AC3E}">
-        <p14:creationId xmlns:p14="http://schemas.microsoft.com/office/powerpoint/2010/main" val="107428847"/>
+        <p14:creationId xmlns:p14="http://schemas.microsoft.com/office/powerpoint/2010/main" val="4084961028"/>
       </p:ext>
     </p:extLst>
   </p:cSld>
@@ -1228,7 +1228,7 @@
           <p:cNvPr id="2" name="标题 1">
             <a:extLst>
               <a:ext uri="{FF2B5EF4-FFF2-40B4-BE49-F238E27FC236}">
-                <a16:creationId xmlns:a16="http://schemas.microsoft.com/office/drawing/2014/main" id="{61C28BA1-8662-AD06-A1CB-F1F25F8FAAFF}"/>
+                <a16:creationId xmlns:a16="http://schemas.microsoft.com/office/drawing/2014/main" id="{7A035FB9-D2DB-13AD-7C83-10F84948D80F}"/>
               </a:ext>
             </a:extLst>
           </p:cNvPr>
@@ -1256,7 +1256,7 @@
           <p:cNvPr id="3" name="内容占位符 2">
             <a:extLst>
               <a:ext uri="{FF2B5EF4-FFF2-40B4-BE49-F238E27FC236}">
-                <a16:creationId xmlns:a16="http://schemas.microsoft.com/office/drawing/2014/main" id="{9842FA55-A806-352C-A72C-9123769AB998}"/>
+                <a16:creationId xmlns:a16="http://schemas.microsoft.com/office/drawing/2014/main" id="{C72F9286-393A-3BE0-D48B-1B4F88CFCBC6}"/>
               </a:ext>
             </a:extLst>
           </p:cNvPr>
@@ -1318,7 +1318,7 @@
           <p:cNvPr id="4" name="内容占位符 3">
             <a:extLst>
               <a:ext uri="{FF2B5EF4-FFF2-40B4-BE49-F238E27FC236}">
-                <a16:creationId xmlns:a16="http://schemas.microsoft.com/office/drawing/2014/main" id="{D4D8A255-3B94-84DF-B115-AB26240788A0}"/>
+                <a16:creationId xmlns:a16="http://schemas.microsoft.com/office/drawing/2014/main" id="{AD59E717-1517-C84B-8299-1764903960CB}"/>
               </a:ext>
             </a:extLst>
           </p:cNvPr>
@@ -1380,7 +1380,7 @@
           <p:cNvPr id="5" name="日期占位符 4">
             <a:extLst>
               <a:ext uri="{FF2B5EF4-FFF2-40B4-BE49-F238E27FC236}">
-                <a16:creationId xmlns:a16="http://schemas.microsoft.com/office/drawing/2014/main" id="{2AC5860F-ADCB-89B7-EB3E-9BF071DF47F9}"/>
+                <a16:creationId xmlns:a16="http://schemas.microsoft.com/office/drawing/2014/main" id="{A48A5F4F-6E8D-AA17-A359-A1389E0715B9}"/>
               </a:ext>
             </a:extLst>
           </p:cNvPr>
@@ -1396,7 +1396,7 @@
           <a:bodyPr/>
           <a:lstStyle/>
           <a:p>
-            <a:fld id="{F5C506A2-54BC-42F5-9D30-17884B703DA1}" type="datetimeFigureOut">
+            <a:fld id="{91E6ED8B-DA3C-4518-9D2C-350EDBFC147B}" type="datetimeFigureOut">
               <a:rPr lang="zh-CN" altLang="en-US" smtClean="0"/>
               <a:t>2024/3/10</a:t>
             </a:fld>
@@ -1409,7 +1409,7 @@
           <p:cNvPr id="6" name="页脚占位符 5">
             <a:extLst>
               <a:ext uri="{FF2B5EF4-FFF2-40B4-BE49-F238E27FC236}">
-                <a16:creationId xmlns:a16="http://schemas.microsoft.com/office/drawing/2014/main" id="{4A620B6C-42DE-B719-B270-23A4456A7BB2}"/>
+                <a16:creationId xmlns:a16="http://schemas.microsoft.com/office/drawing/2014/main" id="{B8D6CA22-9A68-6F3B-DC6F-C347ABFDF355}"/>
               </a:ext>
             </a:extLst>
           </p:cNvPr>
@@ -1434,7 +1434,7 @@
           <p:cNvPr id="7" name="灯片编号占位符 6">
             <a:extLst>
               <a:ext uri="{FF2B5EF4-FFF2-40B4-BE49-F238E27FC236}">
-                <a16:creationId xmlns:a16="http://schemas.microsoft.com/office/drawing/2014/main" id="{D7B79E1F-6250-6A6A-A002-D4508FEAAFAA}"/>
+                <a16:creationId xmlns:a16="http://schemas.microsoft.com/office/drawing/2014/main" id="{758816CC-3AE9-F66E-3752-883FD9703204}"/>
               </a:ext>
             </a:extLst>
           </p:cNvPr>
@@ -1450,7 +1450,7 @@
           <a:bodyPr/>
           <a:lstStyle/>
           <a:p>
-            <a:fld id="{CC55CAE4-A396-447C-A19A-53BECCA93D64}" type="slidenum">
+            <a:fld id="{F2FA5075-EB72-4459-9E0F-5C8D3AC4260D}" type="slidenum">
               <a:rPr lang="zh-CN" altLang="en-US" smtClean="0"/>
               <a:t>‹#›</a:t>
             </a:fld>
@@ -1461,7 +1461,7 @@
     </p:spTree>
     <p:extLst>
       <p:ext uri="{BB962C8B-B14F-4D97-AF65-F5344CB8AC3E}">
-        <p14:creationId xmlns:p14="http://schemas.microsoft.com/office/powerpoint/2010/main" val="1878590997"/>
+        <p14:creationId xmlns:p14="http://schemas.microsoft.com/office/powerpoint/2010/main" val="1535511617"/>
       </p:ext>
     </p:extLst>
   </p:cSld>
@@ -1493,7 +1493,7 @@
           <p:cNvPr id="2" name="标题 1">
             <a:extLst>
               <a:ext uri="{FF2B5EF4-FFF2-40B4-BE49-F238E27FC236}">
-                <a16:creationId xmlns:a16="http://schemas.microsoft.com/office/drawing/2014/main" id="{1F8946D3-B995-D825-1812-6684D0C35D8D}"/>
+                <a16:creationId xmlns:a16="http://schemas.microsoft.com/office/drawing/2014/main" id="{07B84021-3429-691F-A9E8-2FA762E1F191}"/>
               </a:ext>
             </a:extLst>
           </p:cNvPr>
@@ -1526,7 +1526,7 @@
           <p:cNvPr id="3" name="文本占位符 2">
             <a:extLst>
               <a:ext uri="{FF2B5EF4-FFF2-40B4-BE49-F238E27FC236}">
-                <a16:creationId xmlns:a16="http://schemas.microsoft.com/office/drawing/2014/main" id="{242E1061-F8F8-E685-B054-DB678DA123C1}"/>
+                <a16:creationId xmlns:a16="http://schemas.microsoft.com/office/drawing/2014/main" id="{1360BCC4-D138-E3E2-23D1-89775AEE913E}"/>
               </a:ext>
             </a:extLst>
           </p:cNvPr>
@@ -1597,7 +1597,7 @@
           <p:cNvPr id="4" name="内容占位符 3">
             <a:extLst>
               <a:ext uri="{FF2B5EF4-FFF2-40B4-BE49-F238E27FC236}">
-                <a16:creationId xmlns:a16="http://schemas.microsoft.com/office/drawing/2014/main" id="{44153046-62CA-406A-BEE5-F621EADF8F38}"/>
+                <a16:creationId xmlns:a16="http://schemas.microsoft.com/office/drawing/2014/main" id="{AE9574ED-B1AA-3277-3ED4-6E0D3FA34131}"/>
               </a:ext>
             </a:extLst>
           </p:cNvPr>
@@ -1659,7 +1659,7 @@
           <p:cNvPr id="5" name="文本占位符 4">
             <a:extLst>
               <a:ext uri="{FF2B5EF4-FFF2-40B4-BE49-F238E27FC236}">
-                <a16:creationId xmlns:a16="http://schemas.microsoft.com/office/drawing/2014/main" id="{DB33E451-1E4E-4225-F059-728043DC8CF6}"/>
+                <a16:creationId xmlns:a16="http://schemas.microsoft.com/office/drawing/2014/main" id="{5C1FB09A-901D-884C-4909-6C173DAE90C7}"/>
               </a:ext>
             </a:extLst>
           </p:cNvPr>
@@ -1730,7 +1730,7 @@
           <p:cNvPr id="6" name="内容占位符 5">
             <a:extLst>
               <a:ext uri="{FF2B5EF4-FFF2-40B4-BE49-F238E27FC236}">
-                <a16:creationId xmlns:a16="http://schemas.microsoft.com/office/drawing/2014/main" id="{12039A4E-5E5C-ECE6-F549-4D2BFDD437F5}"/>
+                <a16:creationId xmlns:a16="http://schemas.microsoft.com/office/drawing/2014/main" id="{F4115383-78EA-709A-F02A-9435CEF5898A}"/>
               </a:ext>
             </a:extLst>
           </p:cNvPr>
@@ -1792,7 +1792,7 @@
           <p:cNvPr id="7" name="日期占位符 6">
             <a:extLst>
               <a:ext uri="{FF2B5EF4-FFF2-40B4-BE49-F238E27FC236}">
-                <a16:creationId xmlns:a16="http://schemas.microsoft.com/office/drawing/2014/main" id="{CA847A44-2F8A-8AC1-B3E2-6E2E03A4EEBF}"/>
+                <a16:creationId xmlns:a16="http://schemas.microsoft.com/office/drawing/2014/main" id="{4DAF938B-1B65-C65D-012E-1FAA052EB75F}"/>
               </a:ext>
             </a:extLst>
           </p:cNvPr>
@@ -1808,7 +1808,7 @@
           <a:bodyPr/>
           <a:lstStyle/>
           <a:p>
-            <a:fld id="{F5C506A2-54BC-42F5-9D30-17884B703DA1}" type="datetimeFigureOut">
+            <a:fld id="{91E6ED8B-DA3C-4518-9D2C-350EDBFC147B}" type="datetimeFigureOut">
               <a:rPr lang="zh-CN" altLang="en-US" smtClean="0"/>
               <a:t>2024/3/10</a:t>
             </a:fld>
@@ -1821,7 +1821,7 @@
           <p:cNvPr id="8" name="页脚占位符 7">
             <a:extLst>
               <a:ext uri="{FF2B5EF4-FFF2-40B4-BE49-F238E27FC236}">
-                <a16:creationId xmlns:a16="http://schemas.microsoft.com/office/drawing/2014/main" id="{6C1FA54B-AAC7-0349-7D31-ED4B94CC559A}"/>
+                <a16:creationId xmlns:a16="http://schemas.microsoft.com/office/drawing/2014/main" id="{95641975-965C-0E0B-5981-33A4BD97EB6A}"/>
               </a:ext>
             </a:extLst>
           </p:cNvPr>
@@ -1846,7 +1846,7 @@
           <p:cNvPr id="9" name="灯片编号占位符 8">
             <a:extLst>
               <a:ext uri="{FF2B5EF4-FFF2-40B4-BE49-F238E27FC236}">
-                <a16:creationId xmlns:a16="http://schemas.microsoft.com/office/drawing/2014/main" id="{04DA0F64-9466-45E7-3220-D9C2D492DF31}"/>
+                <a16:creationId xmlns:a16="http://schemas.microsoft.com/office/drawing/2014/main" id="{DE9699EB-495C-BDA1-D1BD-DB02005BB66A}"/>
               </a:ext>
             </a:extLst>
           </p:cNvPr>
@@ -1862,7 +1862,7 @@
           <a:bodyPr/>
           <a:lstStyle/>
           <a:p>
-            <a:fld id="{CC55CAE4-A396-447C-A19A-53BECCA93D64}" type="slidenum">
+            <a:fld id="{F2FA5075-EB72-4459-9E0F-5C8D3AC4260D}" type="slidenum">
               <a:rPr lang="zh-CN" altLang="en-US" smtClean="0"/>
               <a:t>‹#›</a:t>
             </a:fld>
@@ -1873,7 +1873,7 @@
     </p:spTree>
     <p:extLst>
       <p:ext uri="{BB962C8B-B14F-4D97-AF65-F5344CB8AC3E}">
-        <p14:creationId xmlns:p14="http://schemas.microsoft.com/office/powerpoint/2010/main" val="3776306600"/>
+        <p14:creationId xmlns:p14="http://schemas.microsoft.com/office/powerpoint/2010/main" val="17274261"/>
       </p:ext>
     </p:extLst>
   </p:cSld>
@@ -1905,7 +1905,7 @@
           <p:cNvPr id="2" name="标题 1">
             <a:extLst>
               <a:ext uri="{FF2B5EF4-FFF2-40B4-BE49-F238E27FC236}">
-                <a16:creationId xmlns:a16="http://schemas.microsoft.com/office/drawing/2014/main" id="{8898B9DA-0E7A-5D33-2C96-5BD90665CD3D}"/>
+                <a16:creationId xmlns:a16="http://schemas.microsoft.com/office/drawing/2014/main" id="{F4CA0166-5BAF-AA33-184E-96CA43C7611D}"/>
               </a:ext>
             </a:extLst>
           </p:cNvPr>
@@ -1933,7 +1933,7 @@
           <p:cNvPr id="3" name="日期占位符 2">
             <a:extLst>
               <a:ext uri="{FF2B5EF4-FFF2-40B4-BE49-F238E27FC236}">
-                <a16:creationId xmlns:a16="http://schemas.microsoft.com/office/drawing/2014/main" id="{B0AE74E5-4A11-613A-80B4-164F83A2FE3F}"/>
+                <a16:creationId xmlns:a16="http://schemas.microsoft.com/office/drawing/2014/main" id="{33A9DCD6-A0C8-BF37-9ACF-76C92302A80E}"/>
               </a:ext>
             </a:extLst>
           </p:cNvPr>
@@ -1949,7 +1949,7 @@
           <a:bodyPr/>
           <a:lstStyle/>
           <a:p>
-            <a:fld id="{F5C506A2-54BC-42F5-9D30-17884B703DA1}" type="datetimeFigureOut">
+            <a:fld id="{91E6ED8B-DA3C-4518-9D2C-350EDBFC147B}" type="datetimeFigureOut">
               <a:rPr lang="zh-CN" altLang="en-US" smtClean="0"/>
               <a:t>2024/3/10</a:t>
             </a:fld>
@@ -1962,7 +1962,7 @@
           <p:cNvPr id="4" name="页脚占位符 3">
             <a:extLst>
               <a:ext uri="{FF2B5EF4-FFF2-40B4-BE49-F238E27FC236}">
-                <a16:creationId xmlns:a16="http://schemas.microsoft.com/office/drawing/2014/main" id="{CF4A129A-99C2-E06E-619C-D83AC98A3280}"/>
+                <a16:creationId xmlns:a16="http://schemas.microsoft.com/office/drawing/2014/main" id="{952B8558-7D56-DB41-FAA0-917C174A999C}"/>
               </a:ext>
             </a:extLst>
           </p:cNvPr>
@@ -1987,7 +1987,7 @@
           <p:cNvPr id="5" name="灯片编号占位符 4">
             <a:extLst>
               <a:ext uri="{FF2B5EF4-FFF2-40B4-BE49-F238E27FC236}">
-                <a16:creationId xmlns:a16="http://schemas.microsoft.com/office/drawing/2014/main" id="{318FBC02-2333-3358-F8DB-AF378AF45FA4}"/>
+                <a16:creationId xmlns:a16="http://schemas.microsoft.com/office/drawing/2014/main" id="{291E29EF-6462-CFCD-4763-981C98F3528D}"/>
               </a:ext>
             </a:extLst>
           </p:cNvPr>
@@ -2003,7 +2003,7 @@
           <a:bodyPr/>
           <a:lstStyle/>
           <a:p>
-            <a:fld id="{CC55CAE4-A396-447C-A19A-53BECCA93D64}" type="slidenum">
+            <a:fld id="{F2FA5075-EB72-4459-9E0F-5C8D3AC4260D}" type="slidenum">
               <a:rPr lang="zh-CN" altLang="en-US" smtClean="0"/>
               <a:t>‹#›</a:t>
             </a:fld>
@@ -2014,7 +2014,7 @@
     </p:spTree>
     <p:extLst>
       <p:ext uri="{BB962C8B-B14F-4D97-AF65-F5344CB8AC3E}">
-        <p14:creationId xmlns:p14="http://schemas.microsoft.com/office/powerpoint/2010/main" val="2671218073"/>
+        <p14:creationId xmlns:p14="http://schemas.microsoft.com/office/powerpoint/2010/main" val="2081024821"/>
       </p:ext>
     </p:extLst>
   </p:cSld>
@@ -2046,7 +2046,7 @@
           <p:cNvPr id="2" name="日期占位符 1">
             <a:extLst>
               <a:ext uri="{FF2B5EF4-FFF2-40B4-BE49-F238E27FC236}">
-                <a16:creationId xmlns:a16="http://schemas.microsoft.com/office/drawing/2014/main" id="{86E4B020-72A7-0643-BDC9-46BEE7BC71D8}"/>
+                <a16:creationId xmlns:a16="http://schemas.microsoft.com/office/drawing/2014/main" id="{617FEE09-78A3-2A33-9709-686E45CCD989}"/>
               </a:ext>
             </a:extLst>
           </p:cNvPr>
@@ -2062,7 +2062,7 @@
           <a:bodyPr/>
           <a:lstStyle/>
           <a:p>
-            <a:fld id="{F5C506A2-54BC-42F5-9D30-17884B703DA1}" type="datetimeFigureOut">
+            <a:fld id="{91E6ED8B-DA3C-4518-9D2C-350EDBFC147B}" type="datetimeFigureOut">
               <a:rPr lang="zh-CN" altLang="en-US" smtClean="0"/>
               <a:t>2024/3/10</a:t>
             </a:fld>
@@ -2075,7 +2075,7 @@
           <p:cNvPr id="3" name="页脚占位符 2">
             <a:extLst>
               <a:ext uri="{FF2B5EF4-FFF2-40B4-BE49-F238E27FC236}">
-                <a16:creationId xmlns:a16="http://schemas.microsoft.com/office/drawing/2014/main" id="{C790B30C-A9B4-393B-EA9F-3198ED380F5A}"/>
+                <a16:creationId xmlns:a16="http://schemas.microsoft.com/office/drawing/2014/main" id="{627C2E3F-EC66-5B89-8D22-D24F768C8506}"/>
               </a:ext>
             </a:extLst>
           </p:cNvPr>
@@ -2100,7 +2100,7 @@
           <p:cNvPr id="4" name="灯片编号占位符 3">
             <a:extLst>
               <a:ext uri="{FF2B5EF4-FFF2-40B4-BE49-F238E27FC236}">
-                <a16:creationId xmlns:a16="http://schemas.microsoft.com/office/drawing/2014/main" id="{FF6F2330-0976-5D95-033D-3C5CEFB2EEFA}"/>
+                <a16:creationId xmlns:a16="http://schemas.microsoft.com/office/drawing/2014/main" id="{C071D27D-2F62-385C-2A30-F12394691259}"/>
               </a:ext>
             </a:extLst>
           </p:cNvPr>
@@ -2116,7 +2116,7 @@
           <a:bodyPr/>
           <a:lstStyle/>
           <a:p>
-            <a:fld id="{CC55CAE4-A396-447C-A19A-53BECCA93D64}" type="slidenum">
+            <a:fld id="{F2FA5075-EB72-4459-9E0F-5C8D3AC4260D}" type="slidenum">
               <a:rPr lang="zh-CN" altLang="en-US" smtClean="0"/>
               <a:t>‹#›</a:t>
             </a:fld>
@@ -2127,7 +2127,7 @@
     </p:spTree>
     <p:extLst>
       <p:ext uri="{BB962C8B-B14F-4D97-AF65-F5344CB8AC3E}">
-        <p14:creationId xmlns:p14="http://schemas.microsoft.com/office/powerpoint/2010/main" val="1152587698"/>
+        <p14:creationId xmlns:p14="http://schemas.microsoft.com/office/powerpoint/2010/main" val="2453783786"/>
       </p:ext>
     </p:extLst>
   </p:cSld>
@@ -2159,7 +2159,7 @@
           <p:cNvPr id="2" name="标题 1">
             <a:extLst>
               <a:ext uri="{FF2B5EF4-FFF2-40B4-BE49-F238E27FC236}">
-                <a16:creationId xmlns:a16="http://schemas.microsoft.com/office/drawing/2014/main" id="{F692C194-94B0-DA2A-8C58-7912690B10F6}"/>
+                <a16:creationId xmlns:a16="http://schemas.microsoft.com/office/drawing/2014/main" id="{90D12195-0EE1-5CF1-7AD3-FE4925A18BA8}"/>
               </a:ext>
             </a:extLst>
           </p:cNvPr>
@@ -2196,7 +2196,7 @@
           <p:cNvPr id="3" name="内容占位符 2">
             <a:extLst>
               <a:ext uri="{FF2B5EF4-FFF2-40B4-BE49-F238E27FC236}">
-                <a16:creationId xmlns:a16="http://schemas.microsoft.com/office/drawing/2014/main" id="{F514126E-8448-B44F-334E-440A704201CE}"/>
+                <a16:creationId xmlns:a16="http://schemas.microsoft.com/office/drawing/2014/main" id="{50E67369-23EF-701D-9B96-6CF22743469C}"/>
               </a:ext>
             </a:extLst>
           </p:cNvPr>
@@ -2286,7 +2286,7 @@
           <p:cNvPr id="4" name="文本占位符 3">
             <a:extLst>
               <a:ext uri="{FF2B5EF4-FFF2-40B4-BE49-F238E27FC236}">
-                <a16:creationId xmlns:a16="http://schemas.microsoft.com/office/drawing/2014/main" id="{452D59B4-6074-56F5-B5BC-87DF63156B42}"/>
+                <a16:creationId xmlns:a16="http://schemas.microsoft.com/office/drawing/2014/main" id="{E708A55D-AE8D-5428-EC50-8736EA729137}"/>
               </a:ext>
             </a:extLst>
           </p:cNvPr>
@@ -2357,7 +2357,7 @@
           <p:cNvPr id="5" name="日期占位符 4">
             <a:extLst>
               <a:ext uri="{FF2B5EF4-FFF2-40B4-BE49-F238E27FC236}">
-                <a16:creationId xmlns:a16="http://schemas.microsoft.com/office/drawing/2014/main" id="{7118D60A-34B4-4265-EAFE-71AC6B78F377}"/>
+                <a16:creationId xmlns:a16="http://schemas.microsoft.com/office/drawing/2014/main" id="{864AF3D8-6AE8-B38B-9969-C108BBE10AFB}"/>
               </a:ext>
             </a:extLst>
           </p:cNvPr>
@@ -2373,7 +2373,7 @@
           <a:bodyPr/>
           <a:lstStyle/>
           <a:p>
-            <a:fld id="{F5C506A2-54BC-42F5-9D30-17884B703DA1}" type="datetimeFigureOut">
+            <a:fld id="{91E6ED8B-DA3C-4518-9D2C-350EDBFC147B}" type="datetimeFigureOut">
               <a:rPr lang="zh-CN" altLang="en-US" smtClean="0"/>
               <a:t>2024/3/10</a:t>
             </a:fld>
@@ -2386,7 +2386,7 @@
           <p:cNvPr id="6" name="页脚占位符 5">
             <a:extLst>
               <a:ext uri="{FF2B5EF4-FFF2-40B4-BE49-F238E27FC236}">
-                <a16:creationId xmlns:a16="http://schemas.microsoft.com/office/drawing/2014/main" id="{E035AA47-D22A-0CB1-7DC8-5C8330A4EDD0}"/>
+                <a16:creationId xmlns:a16="http://schemas.microsoft.com/office/drawing/2014/main" id="{40BFFCEE-30CE-725D-F30A-1108D62CD2F0}"/>
               </a:ext>
             </a:extLst>
           </p:cNvPr>
@@ -2411,7 +2411,7 @@
           <p:cNvPr id="7" name="灯片编号占位符 6">
             <a:extLst>
               <a:ext uri="{FF2B5EF4-FFF2-40B4-BE49-F238E27FC236}">
-                <a16:creationId xmlns:a16="http://schemas.microsoft.com/office/drawing/2014/main" id="{33AB7E7F-1CE2-12C9-2002-4EC73BB86ED6}"/>
+                <a16:creationId xmlns:a16="http://schemas.microsoft.com/office/drawing/2014/main" id="{7B087768-7787-120D-5047-BE0CFDB876F2}"/>
               </a:ext>
             </a:extLst>
           </p:cNvPr>
@@ -2427,7 +2427,7 @@
           <a:bodyPr/>
           <a:lstStyle/>
           <a:p>
-            <a:fld id="{CC55CAE4-A396-447C-A19A-53BECCA93D64}" type="slidenum">
+            <a:fld id="{F2FA5075-EB72-4459-9E0F-5C8D3AC4260D}" type="slidenum">
               <a:rPr lang="zh-CN" altLang="en-US" smtClean="0"/>
               <a:t>‹#›</a:t>
             </a:fld>
@@ -2438,7 +2438,7 @@
     </p:spTree>
     <p:extLst>
       <p:ext uri="{BB962C8B-B14F-4D97-AF65-F5344CB8AC3E}">
-        <p14:creationId xmlns:p14="http://schemas.microsoft.com/office/powerpoint/2010/main" val="1168661377"/>
+        <p14:creationId xmlns:p14="http://schemas.microsoft.com/office/powerpoint/2010/main" val="2070635547"/>
       </p:ext>
     </p:extLst>
   </p:cSld>
@@ -2470,7 +2470,7 @@
           <p:cNvPr id="2" name="标题 1">
             <a:extLst>
               <a:ext uri="{FF2B5EF4-FFF2-40B4-BE49-F238E27FC236}">
-                <a16:creationId xmlns:a16="http://schemas.microsoft.com/office/drawing/2014/main" id="{3A1B6511-9542-8257-284E-5CE0BE0A04E6}"/>
+                <a16:creationId xmlns:a16="http://schemas.microsoft.com/office/drawing/2014/main" id="{FD2B1F15-ED4B-7AD7-DAEB-38A711D381C2}"/>
               </a:ext>
             </a:extLst>
           </p:cNvPr>
@@ -2507,7 +2507,7 @@
           <p:cNvPr id="3" name="图片占位符 2">
             <a:extLst>
               <a:ext uri="{FF2B5EF4-FFF2-40B4-BE49-F238E27FC236}">
-                <a16:creationId xmlns:a16="http://schemas.microsoft.com/office/drawing/2014/main" id="{F8FF9043-8818-BCA8-5D88-FACD5279FB11}"/>
+                <a16:creationId xmlns:a16="http://schemas.microsoft.com/office/drawing/2014/main" id="{A7F133B1-7976-6228-431D-3FE0171F854C}"/>
               </a:ext>
             </a:extLst>
           </p:cNvPr>
@@ -2574,7 +2574,7 @@
           <p:cNvPr id="4" name="文本占位符 3">
             <a:extLst>
               <a:ext uri="{FF2B5EF4-FFF2-40B4-BE49-F238E27FC236}">
-                <a16:creationId xmlns:a16="http://schemas.microsoft.com/office/drawing/2014/main" id="{6AEC4DA3-8553-F2EB-35C3-FD0218AFAA3C}"/>
+                <a16:creationId xmlns:a16="http://schemas.microsoft.com/office/drawing/2014/main" id="{71C38A0A-6DA0-BBC8-0944-4FAB74241A41}"/>
               </a:ext>
             </a:extLst>
           </p:cNvPr>
@@ -2645,7 +2645,7 @@
           <p:cNvPr id="5" name="日期占位符 4">
             <a:extLst>
               <a:ext uri="{FF2B5EF4-FFF2-40B4-BE49-F238E27FC236}">
-                <a16:creationId xmlns:a16="http://schemas.microsoft.com/office/drawing/2014/main" id="{7D3ED2AC-2E50-5EB7-1B61-69900FB6F67F}"/>
+                <a16:creationId xmlns:a16="http://schemas.microsoft.com/office/drawing/2014/main" id="{8C554B58-6AD6-777C-174A-5437537A2056}"/>
               </a:ext>
             </a:extLst>
           </p:cNvPr>
@@ -2661,7 +2661,7 @@
           <a:bodyPr/>
           <a:lstStyle/>
           <a:p>
-            <a:fld id="{F5C506A2-54BC-42F5-9D30-17884B703DA1}" type="datetimeFigureOut">
+            <a:fld id="{91E6ED8B-DA3C-4518-9D2C-350EDBFC147B}" type="datetimeFigureOut">
               <a:rPr lang="zh-CN" altLang="en-US" smtClean="0"/>
               <a:t>2024/3/10</a:t>
             </a:fld>
@@ -2674,7 +2674,7 @@
           <p:cNvPr id="6" name="页脚占位符 5">
             <a:extLst>
               <a:ext uri="{FF2B5EF4-FFF2-40B4-BE49-F238E27FC236}">
-                <a16:creationId xmlns:a16="http://schemas.microsoft.com/office/drawing/2014/main" id="{9146B508-0A16-CBA1-8BC2-6DAEC542FA0C}"/>
+                <a16:creationId xmlns:a16="http://schemas.microsoft.com/office/drawing/2014/main" id="{156288BF-349B-9432-F16E-22BE255D71D5}"/>
               </a:ext>
             </a:extLst>
           </p:cNvPr>
@@ -2699,7 +2699,7 @@
           <p:cNvPr id="7" name="灯片编号占位符 6">
             <a:extLst>
               <a:ext uri="{FF2B5EF4-FFF2-40B4-BE49-F238E27FC236}">
-                <a16:creationId xmlns:a16="http://schemas.microsoft.com/office/drawing/2014/main" id="{293C7994-4424-D3B8-E6EE-691E93224C52}"/>
+                <a16:creationId xmlns:a16="http://schemas.microsoft.com/office/drawing/2014/main" id="{CE16BABE-1A53-C1E9-E1C6-2FEDECE900F8}"/>
               </a:ext>
             </a:extLst>
           </p:cNvPr>
@@ -2715,7 +2715,7 @@
           <a:bodyPr/>
           <a:lstStyle/>
           <a:p>
-            <a:fld id="{CC55CAE4-A396-447C-A19A-53BECCA93D64}" type="slidenum">
+            <a:fld id="{F2FA5075-EB72-4459-9E0F-5C8D3AC4260D}" type="slidenum">
               <a:rPr lang="zh-CN" altLang="en-US" smtClean="0"/>
               <a:t>‹#›</a:t>
             </a:fld>
@@ -2726,7 +2726,7 @@
     </p:spTree>
     <p:extLst>
       <p:ext uri="{BB962C8B-B14F-4D97-AF65-F5344CB8AC3E}">
-        <p14:creationId xmlns:p14="http://schemas.microsoft.com/office/powerpoint/2010/main" val="1957503605"/>
+        <p14:creationId xmlns:p14="http://schemas.microsoft.com/office/powerpoint/2010/main" val="663823939"/>
       </p:ext>
     </p:extLst>
   </p:cSld>
@@ -2763,7 +2763,7 @@
           <p:cNvPr id="2" name="标题占位符 1">
             <a:extLst>
               <a:ext uri="{FF2B5EF4-FFF2-40B4-BE49-F238E27FC236}">
-                <a16:creationId xmlns:a16="http://schemas.microsoft.com/office/drawing/2014/main" id="{E962BB44-3825-82E7-20A9-8EB0F19C5A97}"/>
+                <a16:creationId xmlns:a16="http://schemas.microsoft.com/office/drawing/2014/main" id="{F34B3718-6384-E179-3534-2C04A99603FC}"/>
               </a:ext>
             </a:extLst>
           </p:cNvPr>
@@ -2801,7 +2801,7 @@
           <p:cNvPr id="3" name="文本占位符 2">
             <a:extLst>
               <a:ext uri="{FF2B5EF4-FFF2-40B4-BE49-F238E27FC236}">
-                <a16:creationId xmlns:a16="http://schemas.microsoft.com/office/drawing/2014/main" id="{53A46786-2A28-EF28-5F7C-A06F2C9E6BED}"/>
+                <a16:creationId xmlns:a16="http://schemas.microsoft.com/office/drawing/2014/main" id="{E5B193FC-4070-EC6C-49E8-A4CBF24FED50}"/>
               </a:ext>
             </a:extLst>
           </p:cNvPr>
@@ -2868,7 +2868,7 @@
           <p:cNvPr id="4" name="日期占位符 3">
             <a:extLst>
               <a:ext uri="{FF2B5EF4-FFF2-40B4-BE49-F238E27FC236}">
-                <a16:creationId xmlns:a16="http://schemas.microsoft.com/office/drawing/2014/main" id="{3C53F3FF-CE8F-C08D-62E6-EB2CA44CBE21}"/>
+                <a16:creationId xmlns:a16="http://schemas.microsoft.com/office/drawing/2014/main" id="{4EF42EFE-D5C7-95A2-B26D-9271D835AD4E}"/>
               </a:ext>
             </a:extLst>
           </p:cNvPr>
@@ -2902,7 +2902,7 @@
             </a:lvl1pPr>
           </a:lstStyle>
           <a:p>
-            <a:fld id="{F5C506A2-54BC-42F5-9D30-17884B703DA1}" type="datetimeFigureOut">
+            <a:fld id="{91E6ED8B-DA3C-4518-9D2C-350EDBFC147B}" type="datetimeFigureOut">
               <a:rPr lang="zh-CN" altLang="en-US" smtClean="0"/>
               <a:t>2024/3/10</a:t>
             </a:fld>
@@ -2915,7 +2915,7 @@
           <p:cNvPr id="5" name="页脚占位符 4">
             <a:extLst>
               <a:ext uri="{FF2B5EF4-FFF2-40B4-BE49-F238E27FC236}">
-                <a16:creationId xmlns:a16="http://schemas.microsoft.com/office/drawing/2014/main" id="{C04D8CFB-C80A-C3ED-5B6C-B50F0F4337D1}"/>
+                <a16:creationId xmlns:a16="http://schemas.microsoft.com/office/drawing/2014/main" id="{77CBD7F7-54FE-5B09-0CE0-F8BA36EEB033}"/>
               </a:ext>
             </a:extLst>
           </p:cNvPr>
@@ -2958,7 +2958,7 @@
           <p:cNvPr id="6" name="灯片编号占位符 5">
             <a:extLst>
               <a:ext uri="{FF2B5EF4-FFF2-40B4-BE49-F238E27FC236}">
-                <a16:creationId xmlns:a16="http://schemas.microsoft.com/office/drawing/2014/main" id="{BFCF473D-2633-DDBD-F242-C38A73792627}"/>
+                <a16:creationId xmlns:a16="http://schemas.microsoft.com/office/drawing/2014/main" id="{D3EB060B-C0C6-EC53-C045-6D5258DF0B7C}"/>
               </a:ext>
             </a:extLst>
           </p:cNvPr>
@@ -2992,7 +2992,7 @@
             </a:lvl1pPr>
           </a:lstStyle>
           <a:p>
-            <a:fld id="{CC55CAE4-A396-447C-A19A-53BECCA93D64}" type="slidenum">
+            <a:fld id="{F2FA5075-EB72-4459-9E0F-5C8D3AC4260D}" type="slidenum">
               <a:rPr lang="zh-CN" altLang="en-US" smtClean="0"/>
               <a:t>‹#›</a:t>
             </a:fld>
@@ -3003,7 +3003,7 @@
     </p:spTree>
     <p:extLst>
       <p:ext uri="{BB962C8B-B14F-4D97-AF65-F5344CB8AC3E}">
-        <p14:creationId xmlns:p14="http://schemas.microsoft.com/office/powerpoint/2010/main" val="990280183"/>
+        <p14:creationId xmlns:p14="http://schemas.microsoft.com/office/powerpoint/2010/main" val="2040492367"/>
       </p:ext>
     </p:extLst>
   </p:cSld>
